--- a/Presentation Project 4.pptx
+++ b/Presentation Project 4.pptx
@@ -11304,7 +11304,7 @@
         </p:nvSpPr>
         <p:spPr>
           <a:xfrm>
-            <a:off x="838199" y="588475"/>
+            <a:off x="786443" y="200297"/>
             <a:ext cx="10646229" cy="1102213"/>
           </a:xfrm>
           <a:solidFill>
@@ -11347,13 +11347,13 @@
         </p:nvSpPr>
         <p:spPr>
           <a:xfrm>
-            <a:off x="838200" y="1825625"/>
-            <a:ext cx="10515600" cy="4701924"/>
+            <a:off x="838200" y="1604513"/>
+            <a:ext cx="10515600" cy="5053190"/>
           </a:xfrm>
         </p:spPr>
         <p:txBody>
           <a:bodyPr>
-            <a:normAutofit fontScale="92500"/>
+            <a:normAutofit fontScale="85000" lnSpcReduction="10000"/>
           </a:bodyPr>
           <a:lstStyle/>
           <a:p>
@@ -11361,8 +11361,22 @@
               <a:buNone/>
             </a:pPr>
             <a:r>
-              <a:rPr lang="en-US" sz="2400" dirty="0"/>
-              <a:t>Model: Neural Networks</a:t>
+              <a:rPr lang="en-US" sz="2400" u="sng" dirty="0"/>
+              <a:t>Data Source: </a:t>
+            </a:r>
+          </a:p>
+          <a:p>
+            <a:pPr lvl="1">
+              <a:buFont typeface="Arial" panose="020B0604020202020204" pitchFamily="34" charset="0"/>
+              <a:buChar char="•"/>
+            </a:pPr>
+            <a:r>
+              <a:rPr lang="en-US" sz="2000" b="1" dirty="0"/>
+              <a:t>www.kaggle.com</a:t>
+            </a:r>
+            <a:r>
+              <a:rPr lang="en-US" sz="2000" dirty="0"/>
+              <a:t>/datasets/raghadalharbi/breast-cancer-gene-expression-profiles-metabric</a:t>
             </a:r>
           </a:p>
           <a:p>
@@ -11370,8 +11384,8 @@
               <a:buNone/>
             </a:pPr>
             <a:r>
-              <a:rPr lang="en-US" sz="2400" dirty="0"/>
-              <a:t>Variable aimed to predict: </a:t>
+              <a:rPr lang="en-US" sz="2400" u="sng" dirty="0"/>
+              <a:t>Model: </a:t>
             </a:r>
           </a:p>
           <a:p>
@@ -11381,7 +11395,7 @@
             </a:pPr>
             <a:r>
               <a:rPr lang="en-US" dirty="0"/>
-              <a:t>Overall survival</a:t>
+              <a:t>Neural Networks.</a:t>
             </a:r>
           </a:p>
           <a:p>
@@ -11389,8 +11403,8 @@
               <a:buNone/>
             </a:pPr>
             <a:r>
-              <a:rPr lang="en-US" sz="2400" dirty="0"/>
-              <a:t>Features of the model: </a:t>
+              <a:rPr lang="en-US" sz="2400" u="sng" dirty="0"/>
+              <a:t>Variable aimed to predict: </a:t>
             </a:r>
           </a:p>
           <a:p>
@@ -11400,7 +11414,16 @@
             </a:pPr>
             <a:r>
               <a:rPr lang="en-US" dirty="0"/>
-              <a:t>Age at Diagnosis, </a:t>
+              <a:t>Overall survival.</a:t>
+            </a:r>
+          </a:p>
+          <a:p>
+            <a:pPr marL="0" indent="0">
+              <a:buNone/>
+            </a:pPr>
+            <a:r>
+              <a:rPr lang="en-US" sz="2400" u="sng" dirty="0"/>
+              <a:t>Features of the model: </a:t>
             </a:r>
           </a:p>
           <a:p>
@@ -11410,7 +11433,17 @@
             </a:pPr>
             <a:r>
               <a:rPr lang="en-US" dirty="0"/>
-              <a:t>Type of Cancer, </a:t>
+              <a:t>Age at Diagnosis. </a:t>
+            </a:r>
+          </a:p>
+          <a:p>
+            <a:pPr lvl="1">
+              <a:buFont typeface="Arial" panose="020B0604020202020204" pitchFamily="34" charset="0"/>
+              <a:buChar char="•"/>
+            </a:pPr>
+            <a:r>
+              <a:rPr lang="en-US" dirty="0"/>
+              <a:t>Type of Cancer.</a:t>
             </a:r>
           </a:p>
           <a:p>
@@ -11430,7 +11463,7 @@
             </a:pPr>
             <a:r>
               <a:rPr lang="en-US" dirty="0"/>
-              <a:t>Treatment procedure, </a:t>
+              <a:t>Treatment procedure. </a:t>
             </a:r>
           </a:p>
           <a:p>
@@ -11440,7 +11473,7 @@
             </a:pPr>
             <a:r>
               <a:rPr lang="en-US" dirty="0"/>
-              <a:t>Overall Survival rate </a:t>
+              <a:t>Overall Survival rate.</a:t>
             </a:r>
           </a:p>
           <a:p>
@@ -11450,7 +11483,7 @@
             </a:pPr>
             <a:r>
               <a:rPr lang="en-US" dirty="0"/>
-              <a:t>Genetics attributes</a:t>
+              <a:t>Genetics attributes.</a:t>
             </a:r>
           </a:p>
         </p:txBody>
